--- a/Project description.pptx
+++ b/Project description.pptx
@@ -4,6 +4,9 @@
   <p:sldMasterIdLst>
     <p:sldMasterId id="2147483840" r:id="rId1"/>
   </p:sldMasterIdLst>
+  <p:notesMasterIdLst>
+    <p:notesMasterId r:id="rId13"/>
+  </p:notesMasterIdLst>
   <p:sldIdLst>
     <p:sldId id="256" r:id="rId2"/>
     <p:sldId id="257" r:id="rId3"/>
@@ -1805,6 +1808,13 @@
         </dgm:presLayoutVars>
       </dgm:prSet>
       <dgm:spPr/>
+      <dgm:t>
+        <a:bodyPr/>
+        <a:lstStyle/>
+        <a:p>
+          <a:endParaRPr lang="ro-MD"/>
+        </a:p>
+      </dgm:t>
     </dgm:pt>
     <dgm:pt modelId="{38E09F83-D608-4CEA-BA0F-4836B53878A0}" type="pres">
       <dgm:prSet presAssocID="{4C7231A8-FA39-4E59-ADCA-DD13548AC0F2}" presName="composite" presStyleCnt="0"/>
@@ -1948,9 +1958,9 @@
   </dgm:ptLst>
   <dgm:cxnLst>
     <dgm:cxn modelId="{6BD3B5D6-3C9B-4F67-BA2F-535A79492554}" type="presOf" srcId="{33B3A5BA-8E05-4DFE-A2DB-2CEC7E589E4B}" destId="{EF74D2EE-62EB-4C47-8CDE-46C189631002}" srcOrd="0" destOrd="0" presId="urn:microsoft.com/office/officeart/2008/layout/PictureStrips"/>
+    <dgm:cxn modelId="{8CF79234-AFE5-40DB-9B9C-49D35E0622BD}" type="presOf" srcId="{D7E05395-2E02-4017-9566-FFDB7391C1EC}" destId="{768EDF96-E04D-40EE-A8A4-7A197F506510}" srcOrd="0" destOrd="0" presId="urn:microsoft.com/office/officeart/2008/layout/PictureStrips"/>
+    <dgm:cxn modelId="{B5D3C7F3-AA99-4307-A079-BF082D72CCA7}" type="presOf" srcId="{F6368965-6E75-4197-8D59-EA5A51642854}" destId="{E3733F47-0BCC-4088-AC38-553A1CB76FBE}" srcOrd="0" destOrd="0" presId="urn:microsoft.com/office/officeart/2008/layout/PictureStrips"/>
     <dgm:cxn modelId="{CD6E8161-847C-42DF-8470-A5390486EE9F}" srcId="{2639AAFD-C38F-4CAD-8374-D051E2513E7F}" destId="{33B3A5BA-8E05-4DFE-A2DB-2CEC7E589E4B}" srcOrd="1" destOrd="0" parTransId="{A5C46179-B0C9-4229-BA8C-F590CFE61688}" sibTransId="{3B22F452-BADE-417C-991C-173F45B0FB30}"/>
-    <dgm:cxn modelId="{B5D3C7F3-AA99-4307-A079-BF082D72CCA7}" type="presOf" srcId="{F6368965-6E75-4197-8D59-EA5A51642854}" destId="{E3733F47-0BCC-4088-AC38-553A1CB76FBE}" srcOrd="0" destOrd="0" presId="urn:microsoft.com/office/officeart/2008/layout/PictureStrips"/>
-    <dgm:cxn modelId="{8CF79234-AFE5-40DB-9B9C-49D35E0622BD}" type="presOf" srcId="{D7E05395-2E02-4017-9566-FFDB7391C1EC}" destId="{768EDF96-E04D-40EE-A8A4-7A197F506510}" srcOrd="0" destOrd="0" presId="urn:microsoft.com/office/officeart/2008/layout/PictureStrips"/>
     <dgm:cxn modelId="{A7028ACB-EF67-4B87-9BC4-E39D879E6458}" type="presOf" srcId="{4C7231A8-FA39-4E59-ADCA-DD13548AC0F2}" destId="{EB58E7DC-068B-4E59-8B34-1A5AFC2EA91B}" srcOrd="0" destOrd="0" presId="urn:microsoft.com/office/officeart/2008/layout/PictureStrips"/>
     <dgm:cxn modelId="{CF536DB9-1539-402C-B569-157F4469FC29}" srcId="{2639AAFD-C38F-4CAD-8374-D051E2513E7F}" destId="{4C7231A8-FA39-4E59-ADCA-DD13548AC0F2}" srcOrd="0" destOrd="0" parTransId="{F8ADF3B5-8FDE-4594-9325-C584AA37419B}" sibTransId="{1169AA2A-8034-4E67-B328-D876AA5F4352}"/>
     <dgm:cxn modelId="{29F1F4B1-18E1-404B-8C2B-E49D1E107528}" srcId="{2639AAFD-C38F-4CAD-8374-D051E2513E7F}" destId="{D7E05395-2E02-4017-9566-FFDB7391C1EC}" srcOrd="2" destOrd="0" parTransId="{62946F2B-0E33-4609-832B-229F59B66CEF}" sibTransId="{0297FA25-9B5B-4D89-8FC9-115754E3A197}"/>
@@ -1976,7 +1986,7 @@
   <dgm:whole/>
   <dgm:extLst>
     <a:ext uri="http://schemas.microsoft.com/office/drawing/2008/diagram">
-      <dsp:dataModelExt xmlns:dsp="http://schemas.microsoft.com/office/drawing/2008/diagram" relId="rId6" minVer="http://schemas.openxmlformats.org/drawingml/2006/diagram"/>
+      <dsp:dataModelExt xmlns:dsp="http://schemas.microsoft.com/office/drawing/2008/diagram" relId="rId7" minVer="http://schemas.openxmlformats.org/drawingml/2006/diagram"/>
     </a:ext>
   </dgm:extLst>
 </dgm:dataModel>
@@ -2116,6 +2126,13 @@
         </dgm:presLayoutVars>
       </dgm:prSet>
       <dgm:spPr/>
+      <dgm:t>
+        <a:bodyPr/>
+        <a:lstStyle/>
+        <a:p>
+          <a:endParaRPr lang="ro-MD"/>
+        </a:p>
+      </dgm:t>
     </dgm:pt>
     <dgm:pt modelId="{66BF0F60-BFCD-41FC-AB61-B8EC048AF921}" type="pres">
       <dgm:prSet presAssocID="{0979F982-623F-4828-88FB-07938FE669E3}" presName="Name1" presStyleCnt="0"/>
@@ -2132,6 +2149,13 @@
     <dgm:pt modelId="{E3A788E8-DA58-4F24-8FBE-E42685572D3D}" type="pres">
       <dgm:prSet presAssocID="{0979F982-623F-4828-88FB-07938FE669E3}" presName="conn" presStyleLbl="parChTrans1D2" presStyleIdx="0" presStyleCnt="1"/>
       <dgm:spPr/>
+      <dgm:t>
+        <a:bodyPr/>
+        <a:lstStyle/>
+        <a:p>
+          <a:endParaRPr lang="ro-MD"/>
+        </a:p>
+      </dgm:t>
     </dgm:pt>
     <dgm:pt modelId="{BA5C2931-458E-4B2C-947A-0FB95324CF97}" type="pres">
       <dgm:prSet presAssocID="{0979F982-623F-4828-88FB-07938FE669E3}" presName="extraNode" presStyleLbl="node1" presStyleIdx="0" presStyleCnt="3"/>
@@ -2213,13 +2237,13 @@
   </dgm:ptLst>
   <dgm:cxnLst>
     <dgm:cxn modelId="{FCFC2C30-DA48-4624-8325-F1999CE3E632}" srcId="{0979F982-623F-4828-88FB-07938FE669E3}" destId="{99540E86-28DF-4F61-802B-4CA0DF84626A}" srcOrd="0" destOrd="0" parTransId="{8D71CD78-4319-4CA1-91BC-AEE4A67585AD}" sibTransId="{F27E4933-3411-41AB-98C0-9E8D6319632D}"/>
+    <dgm:cxn modelId="{B43AA716-8DDF-45BB-8A30-E78731F0E36B}" type="presOf" srcId="{C21A80CE-909F-4997-9F39-0BE580BF90D8}" destId="{D114D06D-2323-4972-9EA2-AB6D28A9725C}" srcOrd="0" destOrd="0" presId="urn:microsoft.com/office/officeart/2008/layout/VerticalCurvedList"/>
+    <dgm:cxn modelId="{2E1E2AC5-43DA-423D-BB77-260ED0AEFFDA}" srcId="{0979F982-623F-4828-88FB-07938FE669E3}" destId="{C21A80CE-909F-4997-9F39-0BE580BF90D8}" srcOrd="2" destOrd="0" parTransId="{26734195-6B32-4EDF-92BD-CC13A6AF65D3}" sibTransId="{4E4DD4F9-1181-4B0E-864A-A19D921B1D7A}"/>
+    <dgm:cxn modelId="{91EF9BC6-95F4-4693-873A-1CEE825D3B6D}" type="presOf" srcId="{0979F982-623F-4828-88FB-07938FE669E3}" destId="{13A78429-AFF7-4CC3-A6F2-6F9C66DBBF91}" srcOrd="0" destOrd="0" presId="urn:microsoft.com/office/officeart/2008/layout/VerticalCurvedList"/>
+    <dgm:cxn modelId="{3A8389CC-7F8B-4B80-8903-DCF4FF17E571}" type="presOf" srcId="{3A038ECE-5401-40DB-9A0B-A017F910B1F2}" destId="{9BA577E7-9EDC-4399-9380-27C3EC52D9EB}" srcOrd="0" destOrd="0" presId="urn:microsoft.com/office/officeart/2008/layout/VerticalCurvedList"/>
     <dgm:cxn modelId="{4FF4C06E-B6E2-49D1-9622-7EAE0DF76164}" srcId="{0979F982-623F-4828-88FB-07938FE669E3}" destId="{3A038ECE-5401-40DB-9A0B-A017F910B1F2}" srcOrd="1" destOrd="0" parTransId="{DFA27A50-4ED0-46DA-B542-A608F71FC6A7}" sibTransId="{D67157C7-D344-4FBB-B0F7-C01F1E1D4B39}"/>
-    <dgm:cxn modelId="{91EF9BC6-95F4-4693-873A-1CEE825D3B6D}" type="presOf" srcId="{0979F982-623F-4828-88FB-07938FE669E3}" destId="{13A78429-AFF7-4CC3-A6F2-6F9C66DBBF91}" srcOrd="0" destOrd="0" presId="urn:microsoft.com/office/officeart/2008/layout/VerticalCurvedList"/>
-    <dgm:cxn modelId="{B43AA716-8DDF-45BB-8A30-E78731F0E36B}" type="presOf" srcId="{C21A80CE-909F-4997-9F39-0BE580BF90D8}" destId="{D114D06D-2323-4972-9EA2-AB6D28A9725C}" srcOrd="0" destOrd="0" presId="urn:microsoft.com/office/officeart/2008/layout/VerticalCurvedList"/>
-    <dgm:cxn modelId="{3A8389CC-7F8B-4B80-8903-DCF4FF17E571}" type="presOf" srcId="{3A038ECE-5401-40DB-9A0B-A017F910B1F2}" destId="{9BA577E7-9EDC-4399-9380-27C3EC52D9EB}" srcOrd="0" destOrd="0" presId="urn:microsoft.com/office/officeart/2008/layout/VerticalCurvedList"/>
+    <dgm:cxn modelId="{307EB4EB-483C-4A1F-85FF-85BEC0C1304A}" type="presOf" srcId="{F27E4933-3411-41AB-98C0-9E8D6319632D}" destId="{E3A788E8-DA58-4F24-8FBE-E42685572D3D}" srcOrd="0" destOrd="0" presId="urn:microsoft.com/office/officeart/2008/layout/VerticalCurvedList"/>
     <dgm:cxn modelId="{ECC6D5B4-48CF-402C-94CF-761F45B5DEC7}" type="presOf" srcId="{99540E86-28DF-4F61-802B-4CA0DF84626A}" destId="{2AC998FA-7E74-498B-AF43-668DA09EA360}" srcOrd="0" destOrd="0" presId="urn:microsoft.com/office/officeart/2008/layout/VerticalCurvedList"/>
-    <dgm:cxn modelId="{2E1E2AC5-43DA-423D-BB77-260ED0AEFFDA}" srcId="{0979F982-623F-4828-88FB-07938FE669E3}" destId="{C21A80CE-909F-4997-9F39-0BE580BF90D8}" srcOrd="2" destOrd="0" parTransId="{26734195-6B32-4EDF-92BD-CC13A6AF65D3}" sibTransId="{4E4DD4F9-1181-4B0E-864A-A19D921B1D7A}"/>
-    <dgm:cxn modelId="{307EB4EB-483C-4A1F-85FF-85BEC0C1304A}" type="presOf" srcId="{F27E4933-3411-41AB-98C0-9E8D6319632D}" destId="{E3A788E8-DA58-4F24-8FBE-E42685572D3D}" srcOrd="0" destOrd="0" presId="urn:microsoft.com/office/officeart/2008/layout/VerticalCurvedList"/>
     <dgm:cxn modelId="{8050AD50-8936-45B1-90B1-DE14DB2E9C34}" type="presParOf" srcId="{13A78429-AFF7-4CC3-A6F2-6F9C66DBBF91}" destId="{66BF0F60-BFCD-41FC-AB61-B8EC048AF921}" srcOrd="0" destOrd="0" presId="urn:microsoft.com/office/officeart/2008/layout/VerticalCurvedList"/>
     <dgm:cxn modelId="{BD8588C5-A6D0-4DA8-9884-FC0774DC2FA1}" type="presParOf" srcId="{66BF0F60-BFCD-41FC-AB61-B8EC048AF921}" destId="{7859A2CC-7F13-4350-8DCC-0BAB5C858424}" srcOrd="0" destOrd="0" presId="urn:microsoft.com/office/officeart/2008/layout/VerticalCurvedList"/>
     <dgm:cxn modelId="{1DAA98E4-CDA7-4ACB-9F41-45DEE4284A2E}" type="presParOf" srcId="{7859A2CC-7F13-4350-8DCC-0BAB5C858424}" destId="{25570962-68A6-4C7A-A81C-D7FA02ACB032}" srcOrd="0" destOrd="0" presId="urn:microsoft.com/office/officeart/2008/layout/VerticalCurvedList"/>
@@ -2758,510 +2782,6 @@
       <dsp:cNvGrpSpPr/>
     </dsp:nvGrpSpPr>
     <dsp:grpSpPr/>
-    <dsp:sp modelId="{E3A788E8-DA58-4F24-8FBE-E42685572D3D}">
-      <dsp:nvSpPr>
-        <dsp:cNvPr id="0" name=""/>
-        <dsp:cNvSpPr/>
-      </dsp:nvSpPr>
-      <dsp:spPr>
-        <a:xfrm>
-          <a:off x="-4579967" y="-702223"/>
-          <a:ext cx="5455747" cy="5455747"/>
-        </a:xfrm>
-        <a:prstGeom prst="blockArc">
-          <a:avLst>
-            <a:gd name="adj1" fmla="val 18900000"/>
-            <a:gd name="adj2" fmla="val 2700000"/>
-            <a:gd name="adj3" fmla="val 396"/>
-          </a:avLst>
-        </a:prstGeom>
-        <a:noFill/>
-        <a:ln w="12700" cap="flat" cmpd="sng" algn="ctr">
-          <a:solidFill>
-            <a:schemeClr val="accent1">
-              <a:shade val="60000"/>
-              <a:hueOff val="0"/>
-              <a:satOff val="0"/>
-              <a:lumOff val="0"/>
-              <a:alphaOff val="0"/>
-            </a:schemeClr>
-          </a:solidFill>
-          <a:prstDash val="solid"/>
-        </a:ln>
-        <a:effectLst/>
-      </dsp:spPr>
-      <dsp:style>
-        <a:lnRef idx="2">
-          <a:scrgbClr r="0" g="0" b="0"/>
-        </a:lnRef>
-        <a:fillRef idx="0">
-          <a:scrgbClr r="0" g="0" b="0"/>
-        </a:fillRef>
-        <a:effectRef idx="0">
-          <a:scrgbClr r="0" g="0" b="0"/>
-        </a:effectRef>
-        <a:fontRef idx="minor"/>
-      </dsp:style>
-    </dsp:sp>
-    <dsp:sp modelId="{2AC998FA-7E74-498B-AF43-668DA09EA360}">
-      <dsp:nvSpPr>
-        <dsp:cNvPr id="0" name=""/>
-        <dsp:cNvSpPr/>
-      </dsp:nvSpPr>
-      <dsp:spPr>
-        <a:xfrm>
-          <a:off x="563242" y="405130"/>
-          <a:ext cx="9440171" cy="810260"/>
-        </a:xfrm>
-        <a:prstGeom prst="rect">
-          <a:avLst/>
-        </a:prstGeom>
-        <a:blipFill rotWithShape="0">
-          <a:blip xmlns:r="http://schemas.openxmlformats.org/officeDocument/2006/relationships" r:embed="rId1">
-            <a:duotone>
-              <a:schemeClr val="accent1">
-                <a:hueOff val="0"/>
-                <a:satOff val="0"/>
-                <a:lumOff val="0"/>
-                <a:alphaOff val="0"/>
-                <a:tint val="70000"/>
-                <a:shade val="63000"/>
-              </a:schemeClr>
-              <a:schemeClr val="accent1">
-                <a:hueOff val="0"/>
-                <a:satOff val="0"/>
-                <a:lumOff val="0"/>
-                <a:alphaOff val="0"/>
-                <a:tint val="10000"/>
-                <a:satMod val="150000"/>
-              </a:schemeClr>
-            </a:duotone>
-          </a:blip>
-          <a:tile tx="0" ty="0" sx="60000" sy="59000" flip="none" algn="tl"/>
-        </a:blipFill>
-        <a:ln>
-          <a:noFill/>
-        </a:ln>
-        <a:effectLst/>
-        <a:scene3d>
-          <a:camera prst="orthographicFront"/>
-          <a:lightRig rig="flat" dir="t"/>
-        </a:scene3d>
-        <a:sp3d prstMaterial="dkEdge">
-          <a:bevelT w="8200" h="38100"/>
-        </a:sp3d>
-      </dsp:spPr>
-      <dsp:style>
-        <a:lnRef idx="0">
-          <a:scrgbClr r="0" g="0" b="0"/>
-        </a:lnRef>
-        <a:fillRef idx="2">
-          <a:scrgbClr r="0" g="0" b="0"/>
-        </a:fillRef>
-        <a:effectRef idx="1">
-          <a:scrgbClr r="0" g="0" b="0"/>
-        </a:effectRef>
-        <a:fontRef idx="minor">
-          <a:schemeClr val="dk1"/>
-        </a:fontRef>
-      </dsp:style>
-      <dsp:txBody>
-        <a:bodyPr spcFirstLastPara="0" vert="horz" wrap="square" lIns="643144" tIns="63500" rIns="63500" bIns="63500" numCol="1" spcCol="1270" anchor="ctr" anchorCtr="0">
-          <a:noAutofit/>
-        </a:bodyPr>
-        <a:lstStyle/>
-        <a:p>
-          <a:pPr lvl="0" algn="l" defTabSz="1111250">
-            <a:lnSpc>
-              <a:spcPct val="90000"/>
-            </a:lnSpc>
-            <a:spcBef>
-              <a:spcPct val="0"/>
-            </a:spcBef>
-            <a:spcAft>
-              <a:spcPct val="35000"/>
-            </a:spcAft>
-          </a:pPr>
-          <a:r>
-            <a:rPr lang="en-US" sz="2500" kern="1200" dirty="0" smtClean="0"/>
-            <a:t>The calendar with the events will not be synchronized with the calendar from the smartphone;</a:t>
-          </a:r>
-          <a:endParaRPr lang="ro-MD" sz="2500" kern="1200" dirty="0"/>
-        </a:p>
-      </dsp:txBody>
-      <dsp:txXfrm>
-        <a:off x="563242" y="405130"/>
-        <a:ext cx="9440171" cy="810260"/>
-      </dsp:txXfrm>
-    </dsp:sp>
-    <dsp:sp modelId="{B99A08BB-FCC9-4B99-A840-9E4755C7AE7E}">
-      <dsp:nvSpPr>
-        <dsp:cNvPr id="0" name=""/>
-        <dsp:cNvSpPr/>
-      </dsp:nvSpPr>
-      <dsp:spPr>
-        <a:xfrm>
-          <a:off x="56829" y="303847"/>
-          <a:ext cx="1012825" cy="1012825"/>
-        </a:xfrm>
-        <a:prstGeom prst="ellipse">
-          <a:avLst/>
-        </a:prstGeom>
-        <a:blipFill rotWithShape="0">
-          <a:blip xmlns:r="http://schemas.openxmlformats.org/officeDocument/2006/relationships" r:embed="rId1">
-            <a:duotone>
-              <a:schemeClr val="lt1">
-                <a:hueOff val="0"/>
-                <a:satOff val="0"/>
-                <a:lumOff val="0"/>
-                <a:alphaOff val="0"/>
-                <a:tint val="70000"/>
-                <a:shade val="63000"/>
-              </a:schemeClr>
-              <a:schemeClr val="lt1">
-                <a:hueOff val="0"/>
-                <a:satOff val="0"/>
-                <a:lumOff val="0"/>
-                <a:alphaOff val="0"/>
-                <a:tint val="10000"/>
-                <a:satMod val="150000"/>
-              </a:schemeClr>
-            </a:duotone>
-          </a:blip>
-          <a:tile tx="0" ty="0" sx="60000" sy="59000" flip="none" algn="tl"/>
-        </a:blipFill>
-        <a:ln w="6350" cap="flat" cmpd="sng" algn="ctr">
-          <a:solidFill>
-            <a:schemeClr val="accent1">
-              <a:hueOff val="0"/>
-              <a:satOff val="0"/>
-              <a:lumOff val="0"/>
-              <a:alphaOff val="0"/>
-            </a:schemeClr>
-          </a:solidFill>
-          <a:prstDash val="solid"/>
-        </a:ln>
-        <a:effectLst/>
-      </dsp:spPr>
-      <dsp:style>
-        <a:lnRef idx="1">
-          <a:scrgbClr r="0" g="0" b="0"/>
-        </a:lnRef>
-        <a:fillRef idx="2">
-          <a:scrgbClr r="0" g="0" b="0"/>
-        </a:fillRef>
-        <a:effectRef idx="0">
-          <a:scrgbClr r="0" g="0" b="0"/>
-        </a:effectRef>
-        <a:fontRef idx="minor"/>
-      </dsp:style>
-    </dsp:sp>
-    <dsp:sp modelId="{9BA577E7-9EDC-4399-9380-27C3EC52D9EB}">
-      <dsp:nvSpPr>
-        <dsp:cNvPr id="0" name=""/>
-        <dsp:cNvSpPr/>
-      </dsp:nvSpPr>
-      <dsp:spPr>
-        <a:xfrm>
-          <a:off x="857771" y="1620520"/>
-          <a:ext cx="9145642" cy="810260"/>
-        </a:xfrm>
-        <a:prstGeom prst="rect">
-          <a:avLst/>
-        </a:prstGeom>
-        <a:blipFill rotWithShape="0">
-          <a:blip xmlns:r="http://schemas.openxmlformats.org/officeDocument/2006/relationships" r:embed="rId1">
-            <a:duotone>
-              <a:schemeClr val="accent1">
-                <a:hueOff val="0"/>
-                <a:satOff val="0"/>
-                <a:lumOff val="0"/>
-                <a:alphaOff val="0"/>
-                <a:tint val="70000"/>
-                <a:shade val="63000"/>
-              </a:schemeClr>
-              <a:schemeClr val="accent1">
-                <a:hueOff val="0"/>
-                <a:satOff val="0"/>
-                <a:lumOff val="0"/>
-                <a:alphaOff val="0"/>
-                <a:tint val="10000"/>
-                <a:satMod val="150000"/>
-              </a:schemeClr>
-            </a:duotone>
-          </a:blip>
-          <a:tile tx="0" ty="0" sx="60000" sy="59000" flip="none" algn="tl"/>
-        </a:blipFill>
-        <a:ln>
-          <a:noFill/>
-        </a:ln>
-        <a:effectLst/>
-        <a:scene3d>
-          <a:camera prst="orthographicFront"/>
-          <a:lightRig rig="flat" dir="t"/>
-        </a:scene3d>
-        <a:sp3d prstMaterial="dkEdge">
-          <a:bevelT w="8200" h="38100"/>
-        </a:sp3d>
-      </dsp:spPr>
-      <dsp:style>
-        <a:lnRef idx="0">
-          <a:scrgbClr r="0" g="0" b="0"/>
-        </a:lnRef>
-        <a:fillRef idx="2">
-          <a:scrgbClr r="0" g="0" b="0"/>
-        </a:fillRef>
-        <a:effectRef idx="1">
-          <a:scrgbClr r="0" g="0" b="0"/>
-        </a:effectRef>
-        <a:fontRef idx="minor">
-          <a:schemeClr val="dk1"/>
-        </a:fontRef>
-      </dsp:style>
-      <dsp:txBody>
-        <a:bodyPr spcFirstLastPara="0" vert="horz" wrap="square" lIns="643144" tIns="63500" rIns="63500" bIns="63500" numCol="1" spcCol="1270" anchor="ctr" anchorCtr="0">
-          <a:noAutofit/>
-        </a:bodyPr>
-        <a:lstStyle/>
-        <a:p>
-          <a:pPr lvl="0" algn="l" defTabSz="1111250">
-            <a:lnSpc>
-              <a:spcPct val="90000"/>
-            </a:lnSpc>
-            <a:spcBef>
-              <a:spcPct val="0"/>
-            </a:spcBef>
-            <a:spcAft>
-              <a:spcPct val="35000"/>
-            </a:spcAft>
-          </a:pPr>
-          <a:r>
-            <a:rPr lang="en-US" sz="2500" kern="1200" dirty="0" smtClean="0"/>
-            <a:t>The customers will not be able to give feedback unless we ask for it through email;</a:t>
-          </a:r>
-          <a:endParaRPr lang="ro-MD" sz="2500" kern="1200" dirty="0"/>
-        </a:p>
-      </dsp:txBody>
-      <dsp:txXfrm>
-        <a:off x="857771" y="1620520"/>
-        <a:ext cx="9145642" cy="810260"/>
-      </dsp:txXfrm>
-    </dsp:sp>
-    <dsp:sp modelId="{DC19B5FA-D797-4D50-8FDD-6D6FC77755D7}">
-      <dsp:nvSpPr>
-        <dsp:cNvPr id="0" name=""/>
-        <dsp:cNvSpPr/>
-      </dsp:nvSpPr>
-      <dsp:spPr>
-        <a:xfrm>
-          <a:off x="351359" y="1519237"/>
-          <a:ext cx="1012825" cy="1012825"/>
-        </a:xfrm>
-        <a:prstGeom prst="ellipse">
-          <a:avLst/>
-        </a:prstGeom>
-        <a:blipFill rotWithShape="0">
-          <a:blip xmlns:r="http://schemas.openxmlformats.org/officeDocument/2006/relationships" r:embed="rId1">
-            <a:duotone>
-              <a:schemeClr val="lt1">
-                <a:hueOff val="0"/>
-                <a:satOff val="0"/>
-                <a:lumOff val="0"/>
-                <a:alphaOff val="0"/>
-                <a:tint val="70000"/>
-                <a:shade val="63000"/>
-              </a:schemeClr>
-              <a:schemeClr val="lt1">
-                <a:hueOff val="0"/>
-                <a:satOff val="0"/>
-                <a:lumOff val="0"/>
-                <a:alphaOff val="0"/>
-                <a:tint val="10000"/>
-                <a:satMod val="150000"/>
-              </a:schemeClr>
-            </a:duotone>
-          </a:blip>
-          <a:tile tx="0" ty="0" sx="60000" sy="59000" flip="none" algn="tl"/>
-        </a:blipFill>
-        <a:ln w="6350" cap="flat" cmpd="sng" algn="ctr">
-          <a:solidFill>
-            <a:schemeClr val="accent1">
-              <a:hueOff val="0"/>
-              <a:satOff val="0"/>
-              <a:lumOff val="0"/>
-              <a:alphaOff val="0"/>
-            </a:schemeClr>
-          </a:solidFill>
-          <a:prstDash val="solid"/>
-        </a:ln>
-        <a:effectLst/>
-      </dsp:spPr>
-      <dsp:style>
-        <a:lnRef idx="1">
-          <a:scrgbClr r="0" g="0" b="0"/>
-        </a:lnRef>
-        <a:fillRef idx="2">
-          <a:scrgbClr r="0" g="0" b="0"/>
-        </a:fillRef>
-        <a:effectRef idx="0">
-          <a:scrgbClr r="0" g="0" b="0"/>
-        </a:effectRef>
-        <a:fontRef idx="minor"/>
-      </dsp:style>
-    </dsp:sp>
-    <dsp:sp modelId="{D114D06D-2323-4972-9EA2-AB6D28A9725C}">
-      <dsp:nvSpPr>
-        <dsp:cNvPr id="0" name=""/>
-        <dsp:cNvSpPr/>
-      </dsp:nvSpPr>
-      <dsp:spPr>
-        <a:xfrm>
-          <a:off x="563242" y="2835910"/>
-          <a:ext cx="9440171" cy="810260"/>
-        </a:xfrm>
-        <a:prstGeom prst="rect">
-          <a:avLst/>
-        </a:prstGeom>
-        <a:blipFill rotWithShape="0">
-          <a:blip xmlns:r="http://schemas.openxmlformats.org/officeDocument/2006/relationships" r:embed="rId1">
-            <a:duotone>
-              <a:schemeClr val="accent1">
-                <a:hueOff val="0"/>
-                <a:satOff val="0"/>
-                <a:lumOff val="0"/>
-                <a:alphaOff val="0"/>
-                <a:tint val="70000"/>
-                <a:shade val="63000"/>
-              </a:schemeClr>
-              <a:schemeClr val="accent1">
-                <a:hueOff val="0"/>
-                <a:satOff val="0"/>
-                <a:lumOff val="0"/>
-                <a:alphaOff val="0"/>
-                <a:tint val="10000"/>
-                <a:satMod val="150000"/>
-              </a:schemeClr>
-            </a:duotone>
-          </a:blip>
-          <a:tile tx="0" ty="0" sx="60000" sy="59000" flip="none" algn="tl"/>
-        </a:blipFill>
-        <a:ln>
-          <a:noFill/>
-        </a:ln>
-        <a:effectLst/>
-        <a:scene3d>
-          <a:camera prst="orthographicFront"/>
-          <a:lightRig rig="flat" dir="t"/>
-        </a:scene3d>
-        <a:sp3d prstMaterial="dkEdge">
-          <a:bevelT w="8200" h="38100"/>
-        </a:sp3d>
-      </dsp:spPr>
-      <dsp:style>
-        <a:lnRef idx="0">
-          <a:scrgbClr r="0" g="0" b="0"/>
-        </a:lnRef>
-        <a:fillRef idx="2">
-          <a:scrgbClr r="0" g="0" b="0"/>
-        </a:fillRef>
-        <a:effectRef idx="1">
-          <a:scrgbClr r="0" g="0" b="0"/>
-        </a:effectRef>
-        <a:fontRef idx="minor">
-          <a:schemeClr val="dk1"/>
-        </a:fontRef>
-      </dsp:style>
-      <dsp:txBody>
-        <a:bodyPr spcFirstLastPara="0" vert="horz" wrap="square" lIns="643144" tIns="63500" rIns="63500" bIns="63500" numCol="1" spcCol="1270" anchor="ctr" anchorCtr="0">
-          <a:noAutofit/>
-        </a:bodyPr>
-        <a:lstStyle/>
-        <a:p>
-          <a:pPr lvl="0" algn="l" defTabSz="1111250">
-            <a:lnSpc>
-              <a:spcPct val="90000"/>
-            </a:lnSpc>
-            <a:spcBef>
-              <a:spcPct val="0"/>
-            </a:spcBef>
-            <a:spcAft>
-              <a:spcPct val="35000"/>
-            </a:spcAft>
-          </a:pPr>
-          <a:r>
-            <a:rPr lang="en-US" sz="2500" kern="1200" dirty="0" smtClean="0"/>
-            <a:t>The system will not be integrated with a website;</a:t>
-          </a:r>
-          <a:endParaRPr lang="ro-MD" sz="2500" kern="1200" dirty="0"/>
-        </a:p>
-      </dsp:txBody>
-      <dsp:txXfrm>
-        <a:off x="563242" y="2835910"/>
-        <a:ext cx="9440171" cy="810260"/>
-      </dsp:txXfrm>
-    </dsp:sp>
-    <dsp:sp modelId="{BB27D84B-B6CF-4EB9-A30B-2C3852003602}">
-      <dsp:nvSpPr>
-        <dsp:cNvPr id="0" name=""/>
-        <dsp:cNvSpPr/>
-      </dsp:nvSpPr>
-      <dsp:spPr>
-        <a:xfrm>
-          <a:off x="56829" y="2734627"/>
-          <a:ext cx="1012825" cy="1012825"/>
-        </a:xfrm>
-        <a:prstGeom prst="ellipse">
-          <a:avLst/>
-        </a:prstGeom>
-        <a:blipFill rotWithShape="0">
-          <a:blip xmlns:r="http://schemas.openxmlformats.org/officeDocument/2006/relationships" r:embed="rId1">
-            <a:duotone>
-              <a:schemeClr val="lt1">
-                <a:hueOff val="0"/>
-                <a:satOff val="0"/>
-                <a:lumOff val="0"/>
-                <a:alphaOff val="0"/>
-                <a:tint val="70000"/>
-                <a:shade val="63000"/>
-              </a:schemeClr>
-              <a:schemeClr val="lt1">
-                <a:hueOff val="0"/>
-                <a:satOff val="0"/>
-                <a:lumOff val="0"/>
-                <a:alphaOff val="0"/>
-                <a:tint val="10000"/>
-                <a:satMod val="150000"/>
-              </a:schemeClr>
-            </a:duotone>
-          </a:blip>
-          <a:tile tx="0" ty="0" sx="60000" sy="59000" flip="none" algn="tl"/>
-        </a:blipFill>
-        <a:ln w="6350" cap="flat" cmpd="sng" algn="ctr">
-          <a:solidFill>
-            <a:schemeClr val="accent1">
-              <a:hueOff val="0"/>
-              <a:satOff val="0"/>
-              <a:lumOff val="0"/>
-              <a:alphaOff val="0"/>
-            </a:schemeClr>
-          </a:solidFill>
-          <a:prstDash val="solid"/>
-        </a:ln>
-        <a:effectLst/>
-      </dsp:spPr>
-      <dsp:style>
-        <a:lnRef idx="1">
-          <a:scrgbClr r="0" g="0" b="0"/>
-        </a:lnRef>
-        <a:fillRef idx="2">
-          <a:scrgbClr r="0" g="0" b="0"/>
-        </a:fillRef>
-        <a:effectRef idx="0">
-          <a:scrgbClr r="0" g="0" b="0"/>
-        </a:effectRef>
-        <a:fontRef idx="minor"/>
-      </dsp:style>
-    </dsp:sp>
   </dsp:spTree>
 </dsp:drawing>
 </file>
@@ -6833,6 +6353,441 @@
 </dgm:styleDef>
 </file>
 
+<file path=ppt/notesMasters/notesMaster1.xml><?xml version="1.0" encoding="utf-8"?>
+<p:notesMaster xmlns:a="http://schemas.openxmlformats.org/drawingml/2006/main" xmlns:r="http://schemas.openxmlformats.org/officeDocument/2006/relationships" xmlns:p="http://schemas.openxmlformats.org/presentationml/2006/main">
+  <p:cSld>
+    <p:bg>
+      <p:bgRef idx="1001">
+        <a:schemeClr val="bg1"/>
+      </p:bgRef>
+    </p:bg>
+    <p:spTree>
+      <p:nvGrpSpPr>
+        <p:cNvPr id="1" name=""/>
+        <p:cNvGrpSpPr/>
+        <p:nvPr/>
+      </p:nvGrpSpPr>
+      <p:grpSpPr>
+        <a:xfrm>
+          <a:off x="0" y="0"/>
+          <a:ext cx="0" cy="0"/>
+          <a:chOff x="0" y="0"/>
+          <a:chExt cx="0" cy="0"/>
+        </a:xfrm>
+      </p:grpSpPr>
+      <p:sp>
+        <p:nvSpPr>
+          <p:cNvPr id="2" name="Header Placeholder 1"/>
+          <p:cNvSpPr>
+            <a:spLocks noGrp="1"/>
+          </p:cNvSpPr>
+          <p:nvPr>
+            <p:ph type="hdr" sz="quarter"/>
+          </p:nvPr>
+        </p:nvSpPr>
+        <p:spPr>
+          <a:xfrm>
+            <a:off x="0" y="0"/>
+            <a:ext cx="2971800" cy="458788"/>
+          </a:xfrm>
+          <a:prstGeom prst="rect">
+            <a:avLst/>
+          </a:prstGeom>
+        </p:spPr>
+        <p:txBody>
+          <a:bodyPr vert="horz" lIns="91440" tIns="45720" rIns="91440" bIns="45720" rtlCol="0"/>
+          <a:lstStyle>
+            <a:lvl1pPr algn="l">
+              <a:defRPr sz="1200"/>
+            </a:lvl1pPr>
+          </a:lstStyle>
+          <a:p>
+            <a:endParaRPr lang="ro-MD"/>
+          </a:p>
+        </p:txBody>
+      </p:sp>
+      <p:sp>
+        <p:nvSpPr>
+          <p:cNvPr id="3" name="Date Placeholder 2"/>
+          <p:cNvSpPr>
+            <a:spLocks noGrp="1"/>
+          </p:cNvSpPr>
+          <p:nvPr>
+            <p:ph type="dt" idx="1"/>
+          </p:nvPr>
+        </p:nvSpPr>
+        <p:spPr>
+          <a:xfrm>
+            <a:off x="3884613" y="0"/>
+            <a:ext cx="2971800" cy="458788"/>
+          </a:xfrm>
+          <a:prstGeom prst="rect">
+            <a:avLst/>
+          </a:prstGeom>
+        </p:spPr>
+        <p:txBody>
+          <a:bodyPr vert="horz" lIns="91440" tIns="45720" rIns="91440" bIns="45720" rtlCol="0"/>
+          <a:lstStyle>
+            <a:lvl1pPr algn="r">
+              <a:defRPr sz="1200"/>
+            </a:lvl1pPr>
+          </a:lstStyle>
+          <a:p>
+            <a:fld id="{279FCF04-8052-4A24-985A-170B4A65FBAC}" type="datetimeFigureOut">
+              <a:rPr lang="ro-MD" smtClean="0"/>
+              <a:t>28.10.2017</a:t>
+            </a:fld>
+            <a:endParaRPr lang="ro-MD"/>
+          </a:p>
+        </p:txBody>
+      </p:sp>
+      <p:sp>
+        <p:nvSpPr>
+          <p:cNvPr id="4" name="Slide Image Placeholder 3"/>
+          <p:cNvSpPr>
+            <a:spLocks noGrp="1" noRot="1" noChangeAspect="1"/>
+          </p:cNvSpPr>
+          <p:nvPr>
+            <p:ph type="sldImg" idx="2"/>
+          </p:nvPr>
+        </p:nvSpPr>
+        <p:spPr>
+          <a:xfrm>
+            <a:off x="685800" y="1143000"/>
+            <a:ext cx="5486400" cy="3086100"/>
+          </a:xfrm>
+          <a:prstGeom prst="rect">
+            <a:avLst/>
+          </a:prstGeom>
+          <a:noFill/>
+          <a:ln w="12700">
+            <a:solidFill>
+              <a:prstClr val="black"/>
+            </a:solidFill>
+          </a:ln>
+        </p:spPr>
+        <p:txBody>
+          <a:bodyPr vert="horz" lIns="91440" tIns="45720" rIns="91440" bIns="45720" rtlCol="0" anchor="ctr"/>
+          <a:lstStyle/>
+          <a:p>
+            <a:endParaRPr lang="ro-MD"/>
+          </a:p>
+        </p:txBody>
+      </p:sp>
+      <p:sp>
+        <p:nvSpPr>
+          <p:cNvPr id="5" name="Notes Placeholder 4"/>
+          <p:cNvSpPr>
+            <a:spLocks noGrp="1"/>
+          </p:cNvSpPr>
+          <p:nvPr>
+            <p:ph type="body" sz="quarter" idx="3"/>
+          </p:nvPr>
+        </p:nvSpPr>
+        <p:spPr>
+          <a:xfrm>
+            <a:off x="685800" y="4400550"/>
+            <a:ext cx="5486400" cy="3600450"/>
+          </a:xfrm>
+          <a:prstGeom prst="rect">
+            <a:avLst/>
+          </a:prstGeom>
+        </p:spPr>
+        <p:txBody>
+          <a:bodyPr vert="horz" lIns="91440" tIns="45720" rIns="91440" bIns="45720" rtlCol="0"/>
+          <a:lstStyle/>
+          <a:p>
+            <a:pPr lvl="0"/>
+            <a:r>
+              <a:rPr lang="en-US" smtClean="0"/>
+              <a:t>Click to edit Master text styles</a:t>
+            </a:r>
+          </a:p>
+          <a:p>
+            <a:pPr lvl="1"/>
+            <a:r>
+              <a:rPr lang="en-US" smtClean="0"/>
+              <a:t>Second level</a:t>
+            </a:r>
+          </a:p>
+          <a:p>
+            <a:pPr lvl="2"/>
+            <a:r>
+              <a:rPr lang="en-US" smtClean="0"/>
+              <a:t>Third level</a:t>
+            </a:r>
+          </a:p>
+          <a:p>
+            <a:pPr lvl="3"/>
+            <a:r>
+              <a:rPr lang="en-US" smtClean="0"/>
+              <a:t>Fourth level</a:t>
+            </a:r>
+          </a:p>
+          <a:p>
+            <a:pPr lvl="4"/>
+            <a:r>
+              <a:rPr lang="en-US" smtClean="0"/>
+              <a:t>Fifth level</a:t>
+            </a:r>
+            <a:endParaRPr lang="ro-MD"/>
+          </a:p>
+        </p:txBody>
+      </p:sp>
+      <p:sp>
+        <p:nvSpPr>
+          <p:cNvPr id="6" name="Footer Placeholder 5"/>
+          <p:cNvSpPr>
+            <a:spLocks noGrp="1"/>
+          </p:cNvSpPr>
+          <p:nvPr>
+            <p:ph type="ftr" sz="quarter" idx="4"/>
+          </p:nvPr>
+        </p:nvSpPr>
+        <p:spPr>
+          <a:xfrm>
+            <a:off x="0" y="8685213"/>
+            <a:ext cx="2971800" cy="458787"/>
+          </a:xfrm>
+          <a:prstGeom prst="rect">
+            <a:avLst/>
+          </a:prstGeom>
+        </p:spPr>
+        <p:txBody>
+          <a:bodyPr vert="horz" lIns="91440" tIns="45720" rIns="91440" bIns="45720" rtlCol="0" anchor="b"/>
+          <a:lstStyle>
+            <a:lvl1pPr algn="l">
+              <a:defRPr sz="1200"/>
+            </a:lvl1pPr>
+          </a:lstStyle>
+          <a:p>
+            <a:endParaRPr lang="ro-MD"/>
+          </a:p>
+        </p:txBody>
+      </p:sp>
+      <p:sp>
+        <p:nvSpPr>
+          <p:cNvPr id="7" name="Slide Number Placeholder 6"/>
+          <p:cNvSpPr>
+            <a:spLocks noGrp="1"/>
+          </p:cNvSpPr>
+          <p:nvPr>
+            <p:ph type="sldNum" sz="quarter" idx="5"/>
+          </p:nvPr>
+        </p:nvSpPr>
+        <p:spPr>
+          <a:xfrm>
+            <a:off x="3884613" y="8685213"/>
+            <a:ext cx="2971800" cy="458787"/>
+          </a:xfrm>
+          <a:prstGeom prst="rect">
+            <a:avLst/>
+          </a:prstGeom>
+        </p:spPr>
+        <p:txBody>
+          <a:bodyPr vert="horz" lIns="91440" tIns="45720" rIns="91440" bIns="45720" rtlCol="0" anchor="b"/>
+          <a:lstStyle>
+            <a:lvl1pPr algn="r">
+              <a:defRPr sz="1200"/>
+            </a:lvl1pPr>
+          </a:lstStyle>
+          <a:p>
+            <a:fld id="{0F56F9A5-43B3-49C0-900A-80970E4EEB78}" type="slidenum">
+              <a:rPr lang="ro-MD" smtClean="0"/>
+              <a:t>‹#›</a:t>
+            </a:fld>
+            <a:endParaRPr lang="ro-MD"/>
+          </a:p>
+        </p:txBody>
+      </p:sp>
+    </p:spTree>
+    <p:extLst>
+      <p:ext uri="{BB962C8B-B14F-4D97-AF65-F5344CB8AC3E}">
+        <p14:creationId xmlns:p14="http://schemas.microsoft.com/office/powerpoint/2010/main" val="2997144064"/>
+      </p:ext>
+    </p:extLst>
+  </p:cSld>
+  <p:clrMap bg1="lt1" tx1="dk1" bg2="lt2" tx2="dk2" accent1="accent1" accent2="accent2" accent3="accent3" accent4="accent4" accent5="accent5" accent6="accent6" hlink="hlink" folHlink="folHlink"/>
+  <p:notesStyle>
+    <a:lvl1pPr marL="0" algn="l" defTabSz="914400" rtl="0" eaLnBrk="1" latinLnBrk="0" hangingPunct="1">
+      <a:defRPr sz="1200" kern="1200">
+        <a:solidFill>
+          <a:schemeClr val="tx1"/>
+        </a:solidFill>
+        <a:latin typeface="+mn-lt"/>
+        <a:ea typeface="+mn-ea"/>
+        <a:cs typeface="+mn-cs"/>
+      </a:defRPr>
+    </a:lvl1pPr>
+    <a:lvl2pPr marL="457200" algn="l" defTabSz="914400" rtl="0" eaLnBrk="1" latinLnBrk="0" hangingPunct="1">
+      <a:defRPr sz="1200" kern="1200">
+        <a:solidFill>
+          <a:schemeClr val="tx1"/>
+        </a:solidFill>
+        <a:latin typeface="+mn-lt"/>
+        <a:ea typeface="+mn-ea"/>
+        <a:cs typeface="+mn-cs"/>
+      </a:defRPr>
+    </a:lvl2pPr>
+    <a:lvl3pPr marL="914400" algn="l" defTabSz="914400" rtl="0" eaLnBrk="1" latinLnBrk="0" hangingPunct="1">
+      <a:defRPr sz="1200" kern="1200">
+        <a:solidFill>
+          <a:schemeClr val="tx1"/>
+        </a:solidFill>
+        <a:latin typeface="+mn-lt"/>
+        <a:ea typeface="+mn-ea"/>
+        <a:cs typeface="+mn-cs"/>
+      </a:defRPr>
+    </a:lvl3pPr>
+    <a:lvl4pPr marL="1371600" algn="l" defTabSz="914400" rtl="0" eaLnBrk="1" latinLnBrk="0" hangingPunct="1">
+      <a:defRPr sz="1200" kern="1200">
+        <a:solidFill>
+          <a:schemeClr val="tx1"/>
+        </a:solidFill>
+        <a:latin typeface="+mn-lt"/>
+        <a:ea typeface="+mn-ea"/>
+        <a:cs typeface="+mn-cs"/>
+      </a:defRPr>
+    </a:lvl4pPr>
+    <a:lvl5pPr marL="1828800" algn="l" defTabSz="914400" rtl="0" eaLnBrk="1" latinLnBrk="0" hangingPunct="1">
+      <a:defRPr sz="1200" kern="1200">
+        <a:solidFill>
+          <a:schemeClr val="tx1"/>
+        </a:solidFill>
+        <a:latin typeface="+mn-lt"/>
+        <a:ea typeface="+mn-ea"/>
+        <a:cs typeface="+mn-cs"/>
+      </a:defRPr>
+    </a:lvl5pPr>
+    <a:lvl6pPr marL="2286000" algn="l" defTabSz="914400" rtl="0" eaLnBrk="1" latinLnBrk="0" hangingPunct="1">
+      <a:defRPr sz="1200" kern="1200">
+        <a:solidFill>
+          <a:schemeClr val="tx1"/>
+        </a:solidFill>
+        <a:latin typeface="+mn-lt"/>
+        <a:ea typeface="+mn-ea"/>
+        <a:cs typeface="+mn-cs"/>
+      </a:defRPr>
+    </a:lvl6pPr>
+    <a:lvl7pPr marL="2743200" algn="l" defTabSz="914400" rtl="0" eaLnBrk="1" latinLnBrk="0" hangingPunct="1">
+      <a:defRPr sz="1200" kern="1200">
+        <a:solidFill>
+          <a:schemeClr val="tx1"/>
+        </a:solidFill>
+        <a:latin typeface="+mn-lt"/>
+        <a:ea typeface="+mn-ea"/>
+        <a:cs typeface="+mn-cs"/>
+      </a:defRPr>
+    </a:lvl7pPr>
+    <a:lvl8pPr marL="3200400" algn="l" defTabSz="914400" rtl="0" eaLnBrk="1" latinLnBrk="0" hangingPunct="1">
+      <a:defRPr sz="1200" kern="1200">
+        <a:solidFill>
+          <a:schemeClr val="tx1"/>
+        </a:solidFill>
+        <a:latin typeface="+mn-lt"/>
+        <a:ea typeface="+mn-ea"/>
+        <a:cs typeface="+mn-cs"/>
+      </a:defRPr>
+    </a:lvl8pPr>
+    <a:lvl9pPr marL="3657600" algn="l" defTabSz="914400" rtl="0" eaLnBrk="1" latinLnBrk="0" hangingPunct="1">
+      <a:defRPr sz="1200" kern="1200">
+        <a:solidFill>
+          <a:schemeClr val="tx1"/>
+        </a:solidFill>
+        <a:latin typeface="+mn-lt"/>
+        <a:ea typeface="+mn-ea"/>
+        <a:cs typeface="+mn-cs"/>
+      </a:defRPr>
+    </a:lvl9pPr>
+  </p:notesStyle>
+</p:notesMaster>
+</file>
+
+<file path=ppt/notesSlides/notesSlide1.xml><?xml version="1.0" encoding="utf-8"?>
+<p:notes xmlns:a="http://schemas.openxmlformats.org/drawingml/2006/main" xmlns:r="http://schemas.openxmlformats.org/officeDocument/2006/relationships" xmlns:p="http://schemas.openxmlformats.org/presentationml/2006/main">
+  <p:cSld>
+    <p:spTree>
+      <p:nvGrpSpPr>
+        <p:cNvPr id="1" name=""/>
+        <p:cNvGrpSpPr/>
+        <p:nvPr/>
+      </p:nvGrpSpPr>
+      <p:grpSpPr>
+        <a:xfrm>
+          <a:off x="0" y="0"/>
+          <a:ext cx="0" cy="0"/>
+          <a:chOff x="0" y="0"/>
+          <a:chExt cx="0" cy="0"/>
+        </a:xfrm>
+      </p:grpSpPr>
+      <p:sp>
+        <p:nvSpPr>
+          <p:cNvPr id="2" name="Slide Image Placeholder 1"/>
+          <p:cNvSpPr>
+            <a:spLocks noGrp="1" noRot="1" noChangeAspect="1"/>
+          </p:cNvSpPr>
+          <p:nvPr>
+            <p:ph type="sldImg"/>
+          </p:nvPr>
+        </p:nvSpPr>
+        <p:spPr/>
+      </p:sp>
+      <p:sp>
+        <p:nvSpPr>
+          <p:cNvPr id="3" name="Notes Placeholder 2"/>
+          <p:cNvSpPr>
+            <a:spLocks noGrp="1"/>
+          </p:cNvSpPr>
+          <p:nvPr>
+            <p:ph type="body" idx="1"/>
+          </p:nvPr>
+        </p:nvSpPr>
+        <p:spPr/>
+        <p:txBody>
+          <a:bodyPr/>
+          <a:lstStyle/>
+          <a:p>
+            <a:pPr algn="l"/>
+            <a:endParaRPr lang="ro-MD" sz="3600" i="0" dirty="0"/>
+          </a:p>
+        </p:txBody>
+      </p:sp>
+      <p:sp>
+        <p:nvSpPr>
+          <p:cNvPr id="4" name="Slide Number Placeholder 3"/>
+          <p:cNvSpPr>
+            <a:spLocks noGrp="1"/>
+          </p:cNvSpPr>
+          <p:nvPr>
+            <p:ph type="sldNum" sz="quarter" idx="10"/>
+          </p:nvPr>
+        </p:nvSpPr>
+        <p:spPr/>
+        <p:txBody>
+          <a:bodyPr/>
+          <a:lstStyle/>
+          <a:p>
+            <a:fld id="{0F56F9A5-43B3-49C0-900A-80970E4EEB78}" type="slidenum">
+              <a:rPr lang="ro-MD" smtClean="0"/>
+              <a:t>5</a:t>
+            </a:fld>
+            <a:endParaRPr lang="ro-MD"/>
+          </a:p>
+        </p:txBody>
+      </p:sp>
+    </p:spTree>
+    <p:extLst>
+      <p:ext uri="{BB962C8B-B14F-4D97-AF65-F5344CB8AC3E}">
+        <p14:creationId xmlns:p14="http://schemas.microsoft.com/office/powerpoint/2010/main" val="2201206451"/>
+      </p:ext>
+    </p:extLst>
+  </p:cSld>
+  <p:clrMapOvr>
+    <a:masterClrMapping/>
+  </p:clrMapOvr>
+</p:notes>
+</file>
+
 <file path=ppt/slideLayouts/slideLayout1.xml><?xml version="1.0" encoding="utf-8"?>
 <p:sldLayout xmlns:a="http://schemas.openxmlformats.org/drawingml/2006/main" xmlns:r="http://schemas.openxmlformats.org/officeDocument/2006/relationships" xmlns:p="http://schemas.openxmlformats.org/presentationml/2006/main" showMasterSp="0" type="title" preserve="1">
   <p:cSld name="Title Slide">
@@ -7236,7 +7191,7 @@
           <a:p>
             <a:fld id="{83284890-85D2-4D7B-8EF5-15A9C1DB8F42}" type="datetimeFigureOut">
               <a:rPr lang="en-US" dirty="0"/>
-              <a:t>10/25/2017</a:t>
+              <a:t>10/28/2017</a:t>
             </a:fld>
             <a:endParaRPr lang="en-US" dirty="0"/>
           </a:p>
@@ -7411,7 +7366,7 @@
           <a:p>
             <a:fld id="{87157CC2-0FC8-4686-B024-99790E0F5162}" type="datetimeFigureOut">
               <a:rPr lang="en-US" dirty="0"/>
-              <a:t>10/25/2017</a:t>
+              <a:t>10/28/2017</a:t>
             </a:fld>
             <a:endParaRPr lang="en-US" dirty="0"/>
           </a:p>
@@ -7586,7 +7541,7 @@
           <a:p>
             <a:fld id="{F6764DA5-CD3D-4590-A511-FCD3BC7A793E}" type="datetimeFigureOut">
               <a:rPr lang="en-US" dirty="0"/>
-              <a:t>10/25/2017</a:t>
+              <a:t>10/28/2017</a:t>
             </a:fld>
             <a:endParaRPr lang="en-US" dirty="0"/>
           </a:p>
@@ -7751,7 +7706,7 @@
           <a:p>
             <a:fld id="{82F5661D-6934-4B32-B92C-470368BF1EC6}" type="datetimeFigureOut">
               <a:rPr lang="en-US" dirty="0"/>
-              <a:t>10/25/2017</a:t>
+              <a:t>10/28/2017</a:t>
             </a:fld>
             <a:endParaRPr lang="en-US" dirty="0"/>
           </a:p>
@@ -8059,7 +8014,7 @@
           <a:p>
             <a:fld id="{C6F822A4-8DA6-4447-9B1F-C5DB58435268}" type="datetimeFigureOut">
               <a:rPr lang="en-US" dirty="0"/>
-              <a:t>10/25/2017</a:t>
+              <a:t>10/28/2017</a:t>
             </a:fld>
             <a:endParaRPr lang="en-US" dirty="0"/>
           </a:p>
@@ -8441,7 +8396,7 @@
           <a:p>
             <a:fld id="{E548D31E-DCDA-41A7-9C67-C4B11B94D21D}" type="datetimeFigureOut">
               <a:rPr lang="en-US" dirty="0"/>
-              <a:t>10/25/2017</a:t>
+              <a:t>10/28/2017</a:t>
             </a:fld>
             <a:endParaRPr lang="en-US" dirty="0"/>
           </a:p>
@@ -8870,7 +8825,7 @@
           <a:p>
             <a:fld id="{9B3762C0-B258-48F1-ADE6-176B4174CCDD}" type="datetimeFigureOut">
               <a:rPr lang="en-US" dirty="0"/>
-              <a:t>10/25/2017</a:t>
+              <a:t>10/28/2017</a:t>
             </a:fld>
             <a:endParaRPr lang="en-US" dirty="0"/>
           </a:p>
@@ -8983,7 +8938,7 @@
           <a:p>
             <a:fld id="{677919A6-33EB-49BD-A62F-1FA56B9F9712}" type="datetimeFigureOut">
               <a:rPr lang="en-US" dirty="0"/>
-              <a:t>10/25/2017</a:t>
+              <a:t>10/28/2017</a:t>
             </a:fld>
             <a:endParaRPr lang="en-US" dirty="0"/>
           </a:p>
@@ -9073,7 +9028,7 @@
           <a:p>
             <a:fld id="{CA4E7D1B-D673-4CF6-8672-009D42ABD2A0}" type="datetimeFigureOut">
               <a:rPr lang="en-US" dirty="0"/>
-              <a:t>10/25/2017</a:t>
+              <a:t>10/28/2017</a:t>
             </a:fld>
             <a:endParaRPr lang="en-US" dirty="0"/>
           </a:p>
@@ -9418,7 +9373,7 @@
           <a:p>
             <a:fld id="{DA16AA21-1863-4931-97CB-99D0A168701B}" type="datetimeFigureOut">
               <a:rPr lang="en-US" dirty="0"/>
-              <a:t>10/25/2017</a:t>
+              <a:t>10/28/2017</a:t>
             </a:fld>
             <a:endParaRPr lang="en-US" dirty="0"/>
           </a:p>
@@ -9838,7 +9793,7 @@
           <a:p>
             <a:fld id="{3772C379-9A7C-4C87-A116-CBE9F58B04C5}" type="datetimeFigureOut">
               <a:rPr lang="en-US" dirty="0"/>
-              <a:t>10/25/2017</a:t>
+              <a:t>10/28/2017</a:t>
             </a:fld>
             <a:endParaRPr lang="en-US" dirty="0"/>
           </a:p>
@@ -10114,7 +10069,7 @@
           <a:p>
             <a:fld id="{8664C608-40B1-4030-A28D-5B74BC98ADCE}" type="datetimeFigureOut">
               <a:rPr lang="en-US" dirty="0"/>
-              <a:t>10/25/2017</a:t>
+              <a:t>10/28/2017</a:t>
             </a:fld>
             <a:endParaRPr lang="en-US" dirty="0"/>
           </a:p>
@@ -12989,7 +12944,7 @@
         </p:xfrm>
         <a:graphic>
           <a:graphicData uri="http://schemas.openxmlformats.org/drawingml/2006/diagram">
-            <dgm:relIds xmlns:dgm="http://schemas.openxmlformats.org/drawingml/2006/diagram" xmlns:r="http://schemas.openxmlformats.org/officeDocument/2006/relationships" r:dm="rId2" r:lo="rId3" r:qs="rId4" r:cs="rId5"/>
+            <dgm:relIds xmlns:dgm="http://schemas.openxmlformats.org/drawingml/2006/diagram" xmlns:r="http://schemas.openxmlformats.org/officeDocument/2006/relationships" r:dm="rId3" r:lo="rId4" r:qs="rId5" r:cs="rId6"/>
           </a:graphicData>
         </a:graphic>
       </p:graphicFrame>
@@ -14844,4 +14799,265 @@
     </a:ext>
   </a:extLst>
 </a:theme>
+</file>
+
+<file path=ppt/theme/theme2.xml><?xml version="1.0" encoding="utf-8"?>
+<a:theme xmlns:a="http://schemas.openxmlformats.org/drawingml/2006/main" name="Office Theme">
+  <a:themeElements>
+    <a:clrScheme name="Office">
+      <a:dk1>
+        <a:sysClr val="windowText" lastClr="000000"/>
+      </a:dk1>
+      <a:lt1>
+        <a:sysClr val="window" lastClr="FFFFFF"/>
+      </a:lt1>
+      <a:dk2>
+        <a:srgbClr val="44546A"/>
+      </a:dk2>
+      <a:lt2>
+        <a:srgbClr val="E7E6E6"/>
+      </a:lt2>
+      <a:accent1>
+        <a:srgbClr val="5B9BD5"/>
+      </a:accent1>
+      <a:accent2>
+        <a:srgbClr val="ED7D31"/>
+      </a:accent2>
+      <a:accent3>
+        <a:srgbClr val="A5A5A5"/>
+      </a:accent3>
+      <a:accent4>
+        <a:srgbClr val="FFC000"/>
+      </a:accent4>
+      <a:accent5>
+        <a:srgbClr val="4472C4"/>
+      </a:accent5>
+      <a:accent6>
+        <a:srgbClr val="70AD47"/>
+      </a:accent6>
+      <a:hlink>
+        <a:srgbClr val="0563C1"/>
+      </a:hlink>
+      <a:folHlink>
+        <a:srgbClr val="954F72"/>
+      </a:folHlink>
+    </a:clrScheme>
+    <a:fontScheme name="Office">
+      <a:majorFont>
+        <a:latin typeface="Calibri Light" panose="020F0302020204030204"/>
+        <a:ea typeface=""/>
+        <a:cs typeface=""/>
+        <a:font script="Jpan" typeface="ＭＳ Ｐゴシック"/>
+        <a:font script="Hang" typeface="맑은 고딕"/>
+        <a:font script="Hans" typeface="宋体"/>
+        <a:font script="Hant" typeface="新細明體"/>
+        <a:font script="Arab" typeface="Times New Roman"/>
+        <a:font script="Hebr" typeface="Times New Roman"/>
+        <a:font script="Thai" typeface="Angsana New"/>
+        <a:font script="Ethi" typeface="Nyala"/>
+        <a:font script="Beng" typeface="Vrinda"/>
+        <a:font script="Gujr" typeface="Shruti"/>
+        <a:font script="Khmr" typeface="MoolBoran"/>
+        <a:font script="Knda" typeface="Tunga"/>
+        <a:font script="Guru" typeface="Raavi"/>
+        <a:font script="Cans" typeface="Euphemia"/>
+        <a:font script="Cher" typeface="Plantagenet Cherokee"/>
+        <a:font script="Yiii" typeface="Microsoft Yi Baiti"/>
+        <a:font script="Tibt" typeface="Microsoft Himalaya"/>
+        <a:font script="Thaa" typeface="MV Boli"/>
+        <a:font script="Deva" typeface="Mangal"/>
+        <a:font script="Telu" typeface="Gautami"/>
+        <a:font script="Taml" typeface="Latha"/>
+        <a:font script="Syrc" typeface="Estrangelo Edessa"/>
+        <a:font script="Orya" typeface="Kalinga"/>
+        <a:font script="Mlym" typeface="Kartika"/>
+        <a:font script="Laoo" typeface="DokChampa"/>
+        <a:font script="Sinh" typeface="Iskoola Pota"/>
+        <a:font script="Mong" typeface="Mongolian Baiti"/>
+        <a:font script="Viet" typeface="Times New Roman"/>
+        <a:font script="Uigh" typeface="Microsoft Uighur"/>
+        <a:font script="Geor" typeface="Sylfaen"/>
+      </a:majorFont>
+      <a:minorFont>
+        <a:latin typeface="Calibri" panose="020F0502020204030204"/>
+        <a:ea typeface=""/>
+        <a:cs typeface=""/>
+        <a:font script="Jpan" typeface="ＭＳ Ｐゴシック"/>
+        <a:font script="Hang" typeface="맑은 고딕"/>
+        <a:font script="Hans" typeface="宋体"/>
+        <a:font script="Hant" typeface="新細明體"/>
+        <a:font script="Arab" typeface="Arial"/>
+        <a:font script="Hebr" typeface="Arial"/>
+        <a:font script="Thai" typeface="Cordia New"/>
+        <a:font script="Ethi" typeface="Nyala"/>
+        <a:font script="Beng" typeface="Vrinda"/>
+        <a:font script="Gujr" typeface="Shruti"/>
+        <a:font script="Khmr" typeface="DaunPenh"/>
+        <a:font script="Knda" typeface="Tunga"/>
+        <a:font script="Guru" typeface="Raavi"/>
+        <a:font script="Cans" typeface="Euphemia"/>
+        <a:font script="Cher" typeface="Plantagenet Cherokee"/>
+        <a:font script="Yiii" typeface="Microsoft Yi Baiti"/>
+        <a:font script="Tibt" typeface="Microsoft Himalaya"/>
+        <a:font script="Thaa" typeface="MV Boli"/>
+        <a:font script="Deva" typeface="Mangal"/>
+        <a:font script="Telu" typeface="Gautami"/>
+        <a:font script="Taml" typeface="Latha"/>
+        <a:font script="Syrc" typeface="Estrangelo Edessa"/>
+        <a:font script="Orya" typeface="Kalinga"/>
+        <a:font script="Mlym" typeface="Kartika"/>
+        <a:font script="Laoo" typeface="DokChampa"/>
+        <a:font script="Sinh" typeface="Iskoola Pota"/>
+        <a:font script="Mong" typeface="Mongolian Baiti"/>
+        <a:font script="Viet" typeface="Arial"/>
+        <a:font script="Uigh" typeface="Microsoft Uighur"/>
+        <a:font script="Geor" typeface="Sylfaen"/>
+      </a:minorFont>
+    </a:fontScheme>
+    <a:fmtScheme name="Office">
+      <a:fillStyleLst>
+        <a:solidFill>
+          <a:schemeClr val="phClr"/>
+        </a:solidFill>
+        <a:gradFill rotWithShape="1">
+          <a:gsLst>
+            <a:gs pos="0">
+              <a:schemeClr val="phClr">
+                <a:lumMod val="110000"/>
+                <a:satMod val="105000"/>
+                <a:tint val="67000"/>
+              </a:schemeClr>
+            </a:gs>
+            <a:gs pos="50000">
+              <a:schemeClr val="phClr">
+                <a:lumMod val="105000"/>
+                <a:satMod val="103000"/>
+                <a:tint val="73000"/>
+              </a:schemeClr>
+            </a:gs>
+            <a:gs pos="100000">
+              <a:schemeClr val="phClr">
+                <a:lumMod val="105000"/>
+                <a:satMod val="109000"/>
+                <a:tint val="81000"/>
+              </a:schemeClr>
+            </a:gs>
+          </a:gsLst>
+          <a:lin ang="5400000" scaled="0"/>
+        </a:gradFill>
+        <a:gradFill rotWithShape="1">
+          <a:gsLst>
+            <a:gs pos="0">
+              <a:schemeClr val="phClr">
+                <a:satMod val="103000"/>
+                <a:lumMod val="102000"/>
+                <a:tint val="94000"/>
+              </a:schemeClr>
+            </a:gs>
+            <a:gs pos="50000">
+              <a:schemeClr val="phClr">
+                <a:satMod val="110000"/>
+                <a:lumMod val="100000"/>
+                <a:shade val="100000"/>
+              </a:schemeClr>
+            </a:gs>
+            <a:gs pos="100000">
+              <a:schemeClr val="phClr">
+                <a:lumMod val="99000"/>
+                <a:satMod val="120000"/>
+                <a:shade val="78000"/>
+              </a:schemeClr>
+            </a:gs>
+          </a:gsLst>
+          <a:lin ang="5400000" scaled="0"/>
+        </a:gradFill>
+      </a:fillStyleLst>
+      <a:lnStyleLst>
+        <a:ln w="6350" cap="flat" cmpd="sng" algn="ctr">
+          <a:solidFill>
+            <a:schemeClr val="phClr"/>
+          </a:solidFill>
+          <a:prstDash val="solid"/>
+          <a:miter lim="800000"/>
+        </a:ln>
+        <a:ln w="12700" cap="flat" cmpd="sng" algn="ctr">
+          <a:solidFill>
+            <a:schemeClr val="phClr"/>
+          </a:solidFill>
+          <a:prstDash val="solid"/>
+          <a:miter lim="800000"/>
+        </a:ln>
+        <a:ln w="19050" cap="flat" cmpd="sng" algn="ctr">
+          <a:solidFill>
+            <a:schemeClr val="phClr"/>
+          </a:solidFill>
+          <a:prstDash val="solid"/>
+          <a:miter lim="800000"/>
+        </a:ln>
+      </a:lnStyleLst>
+      <a:effectStyleLst>
+        <a:effectStyle>
+          <a:effectLst/>
+        </a:effectStyle>
+        <a:effectStyle>
+          <a:effectLst/>
+        </a:effectStyle>
+        <a:effectStyle>
+          <a:effectLst>
+            <a:outerShdw blurRad="57150" dist="19050" dir="5400000" algn="ctr" rotWithShape="0">
+              <a:srgbClr val="000000">
+                <a:alpha val="63000"/>
+              </a:srgbClr>
+            </a:outerShdw>
+          </a:effectLst>
+        </a:effectStyle>
+      </a:effectStyleLst>
+      <a:bgFillStyleLst>
+        <a:solidFill>
+          <a:schemeClr val="phClr"/>
+        </a:solidFill>
+        <a:solidFill>
+          <a:schemeClr val="phClr">
+            <a:tint val="95000"/>
+            <a:satMod val="170000"/>
+          </a:schemeClr>
+        </a:solidFill>
+        <a:gradFill rotWithShape="1">
+          <a:gsLst>
+            <a:gs pos="0">
+              <a:schemeClr val="phClr">
+                <a:tint val="93000"/>
+                <a:satMod val="150000"/>
+                <a:shade val="98000"/>
+                <a:lumMod val="102000"/>
+              </a:schemeClr>
+            </a:gs>
+            <a:gs pos="50000">
+              <a:schemeClr val="phClr">
+                <a:tint val="98000"/>
+                <a:satMod val="130000"/>
+                <a:shade val="90000"/>
+                <a:lumMod val="103000"/>
+              </a:schemeClr>
+            </a:gs>
+            <a:gs pos="100000">
+              <a:schemeClr val="phClr">
+                <a:shade val="63000"/>
+                <a:satMod val="120000"/>
+              </a:schemeClr>
+            </a:gs>
+          </a:gsLst>
+          <a:lin ang="5400000" scaled="0"/>
+        </a:gradFill>
+      </a:bgFillStyleLst>
+    </a:fmtScheme>
+  </a:themeElements>
+  <a:objectDefaults/>
+  <a:extraClrSchemeLst/>
+  <a:extLst>
+    <a:ext uri="{05A4C25C-085E-4340-85A3-A5531E510DB2}">
+      <thm15:themeFamily xmlns:thm15="http://schemas.microsoft.com/office/thememl/2012/main" name="Office Theme" id="{62F939B6-93AF-4DB8-9C6B-D6C7DFDC589F}" vid="{4A3C46E8-61CC-4603-A589-7422A47A8E4A}"/>
+    </a:ext>
+  </a:extLst>
+</a:theme>
 </file>